--- a/Printables/SolarInductiveSystems.pptx
+++ b/Printables/SolarInductiveSystems.pptx
@@ -199,7 +199,7 @@
           <a:p>
             <a:fld id="{9C98580C-D285-4F41-9F7C-827133E32D3F}" type="datetimeFigureOut">
               <a:rPr lang="en-US" smtClean="0"/>
-              <a:t>3/3/24</a:t>
+              <a:t>11/13/24</a:t>
             </a:fld>
             <a:endParaRPr lang="en-US"/>
           </a:p>
@@ -697,7 +697,7 @@
           <a:p>
             <a:fld id="{6673748A-CFCB-6043-A763-01F8534D618B}" type="datetimeFigureOut">
               <a:rPr lang="en-US" smtClean="0"/>
-              <a:t>3/3/24</a:t>
+              <a:t>11/13/24</a:t>
             </a:fld>
             <a:endParaRPr lang="en-US"/>
           </a:p>
@@ -895,7 +895,7 @@
           <a:p>
             <a:fld id="{6673748A-CFCB-6043-A763-01F8534D618B}" type="datetimeFigureOut">
               <a:rPr lang="en-US" smtClean="0"/>
-              <a:t>3/3/24</a:t>
+              <a:t>11/13/24</a:t>
             </a:fld>
             <a:endParaRPr lang="en-US"/>
           </a:p>
@@ -1103,7 +1103,7 @@
           <a:p>
             <a:fld id="{6673748A-CFCB-6043-A763-01F8534D618B}" type="datetimeFigureOut">
               <a:rPr lang="en-US" smtClean="0"/>
-              <a:t>3/3/24</a:t>
+              <a:t>11/13/24</a:t>
             </a:fld>
             <a:endParaRPr lang="en-US"/>
           </a:p>
@@ -1301,7 +1301,7 @@
           <a:p>
             <a:fld id="{6673748A-CFCB-6043-A763-01F8534D618B}" type="datetimeFigureOut">
               <a:rPr lang="en-US" smtClean="0"/>
-              <a:t>3/3/24</a:t>
+              <a:t>11/13/24</a:t>
             </a:fld>
             <a:endParaRPr lang="en-US"/>
           </a:p>
@@ -1576,7 +1576,7 @@
           <a:p>
             <a:fld id="{6673748A-CFCB-6043-A763-01F8534D618B}" type="datetimeFigureOut">
               <a:rPr lang="en-US" smtClean="0"/>
-              <a:t>3/3/24</a:t>
+              <a:t>11/13/24</a:t>
             </a:fld>
             <a:endParaRPr lang="en-US"/>
           </a:p>
@@ -1841,7 +1841,7 @@
           <a:p>
             <a:fld id="{6673748A-CFCB-6043-A763-01F8534D618B}" type="datetimeFigureOut">
               <a:rPr lang="en-US" smtClean="0"/>
-              <a:t>3/3/24</a:t>
+              <a:t>11/13/24</a:t>
             </a:fld>
             <a:endParaRPr lang="en-US"/>
           </a:p>
@@ -2253,7 +2253,7 @@
           <a:p>
             <a:fld id="{6673748A-CFCB-6043-A763-01F8534D618B}" type="datetimeFigureOut">
               <a:rPr lang="en-US" smtClean="0"/>
-              <a:t>3/3/24</a:t>
+              <a:t>11/13/24</a:t>
             </a:fld>
             <a:endParaRPr lang="en-US"/>
           </a:p>
@@ -2394,7 +2394,7 @@
           <a:p>
             <a:fld id="{6673748A-CFCB-6043-A763-01F8534D618B}" type="datetimeFigureOut">
               <a:rPr lang="en-US" smtClean="0"/>
-              <a:t>3/3/24</a:t>
+              <a:t>11/13/24</a:t>
             </a:fld>
             <a:endParaRPr lang="en-US"/>
           </a:p>
@@ -2507,7 +2507,7 @@
           <a:p>
             <a:fld id="{6673748A-CFCB-6043-A763-01F8534D618B}" type="datetimeFigureOut">
               <a:rPr lang="en-US" smtClean="0"/>
-              <a:t>3/3/24</a:t>
+              <a:t>11/13/24</a:t>
             </a:fld>
             <a:endParaRPr lang="en-US"/>
           </a:p>
@@ -2818,7 +2818,7 @@
           <a:p>
             <a:fld id="{6673748A-CFCB-6043-A763-01F8534D618B}" type="datetimeFigureOut">
               <a:rPr lang="en-US" smtClean="0"/>
-              <a:t>3/3/24</a:t>
+              <a:t>11/13/24</a:t>
             </a:fld>
             <a:endParaRPr lang="en-US"/>
           </a:p>
@@ -3106,7 +3106,7 @@
           <a:p>
             <a:fld id="{6673748A-CFCB-6043-A763-01F8534D618B}" type="datetimeFigureOut">
               <a:rPr lang="en-US" smtClean="0"/>
-              <a:t>3/3/24</a:t>
+              <a:t>11/13/24</a:t>
             </a:fld>
             <a:endParaRPr lang="en-US"/>
           </a:p>
@@ -3347,7 +3347,7 @@
           <a:p>
             <a:fld id="{6673748A-CFCB-6043-A763-01F8534D618B}" type="datetimeFigureOut">
               <a:rPr lang="en-US" smtClean="0"/>
-              <a:t>3/3/24</a:t>
+              <a:t>11/13/24</a:t>
             </a:fld>
             <a:endParaRPr lang="en-US"/>
           </a:p>
@@ -3885,7 +3885,7 @@
         </p:nvSpPr>
         <p:spPr>
           <a:xfrm>
-            <a:off x="272820" y="264569"/>
+            <a:off x="419124" y="496217"/>
             <a:ext cx="3385084" cy="2918176"/>
           </a:xfrm>
           <a:prstGeom prst="hexagon">
@@ -3933,7 +3933,7 @@
         </p:nvSpPr>
         <p:spPr>
           <a:xfrm>
-            <a:off x="1355824" y="4533629"/>
+            <a:off x="1416784" y="4399517"/>
             <a:ext cx="1009947" cy="870644"/>
           </a:xfrm>
           <a:prstGeom prst="hexagon">
@@ -3985,7 +3985,7 @@
         </p:nvSpPr>
         <p:spPr>
           <a:xfrm>
-            <a:off x="1508225" y="4659210"/>
+            <a:off x="1569185" y="4525098"/>
             <a:ext cx="705146" cy="489007"/>
           </a:xfrm>
           <a:prstGeom prst="triangle">
@@ -4034,7 +4034,7 @@
         </p:nvSpPr>
         <p:spPr>
           <a:xfrm>
-            <a:off x="3888291" y="219828"/>
+            <a:off x="3851715" y="475860"/>
             <a:ext cx="3385084" cy="2918176"/>
           </a:xfrm>
           <a:prstGeom prst="hexagon">
@@ -4177,7 +4177,7 @@
         </p:nvSpPr>
         <p:spPr>
           <a:xfrm>
-            <a:off x="338117" y="3597026"/>
+            <a:off x="399077" y="3462914"/>
             <a:ext cx="3385084" cy="2918176"/>
           </a:xfrm>
           <a:prstGeom prst="hexagon">
@@ -4225,7 +4225,7 @@
         </p:nvSpPr>
         <p:spPr>
           <a:xfrm>
-            <a:off x="1039686" y="392606"/>
+            <a:off x="1185990" y="624254"/>
             <a:ext cx="1108129" cy="369332"/>
           </a:xfrm>
           <a:prstGeom prst="rect">
@@ -4264,7 +4264,7 @@
         </p:nvSpPr>
         <p:spPr>
           <a:xfrm>
-            <a:off x="650678" y="802478"/>
+            <a:off x="796982" y="1034126"/>
             <a:ext cx="2681207" cy="369332"/>
           </a:xfrm>
           <a:prstGeom prst="rect">
@@ -4299,7 +4299,7 @@
         </p:nvSpPr>
         <p:spPr>
           <a:xfrm>
-            <a:off x="650678" y="1298447"/>
+            <a:off x="796982" y="1530095"/>
             <a:ext cx="389008" cy="283236"/>
           </a:xfrm>
           <a:prstGeom prst="triangle">
@@ -4348,7 +4348,7 @@
         </p:nvSpPr>
         <p:spPr>
           <a:xfrm>
-            <a:off x="1080021" y="1350329"/>
+            <a:off x="1226325" y="1581977"/>
             <a:ext cx="2041169" cy="307777"/>
           </a:xfrm>
           <a:prstGeom prst="rect">
@@ -4383,7 +4383,7 @@
         </p:nvSpPr>
         <p:spPr>
           <a:xfrm>
-            <a:off x="845182" y="1698541"/>
+            <a:off x="991486" y="1930189"/>
             <a:ext cx="909277" cy="783860"/>
           </a:xfrm>
           <a:prstGeom prst="hexagon">
@@ -4438,7 +4438,7 @@
         </p:nvSpPr>
         <p:spPr>
           <a:xfrm>
-            <a:off x="2215807" y="1699188"/>
+            <a:off x="2362111" y="1930836"/>
             <a:ext cx="922504" cy="795262"/>
           </a:xfrm>
           <a:prstGeom prst="hexagon">
@@ -4493,7 +4493,7 @@
         </p:nvSpPr>
         <p:spPr>
           <a:xfrm>
-            <a:off x="2333656" y="1785525"/>
+            <a:off x="2479960" y="2017173"/>
             <a:ext cx="660990" cy="660990"/>
           </a:xfrm>
           <a:prstGeom prst="ellipse">
@@ -4545,7 +4545,7 @@
         </p:nvSpPr>
         <p:spPr>
           <a:xfrm>
-            <a:off x="2412551" y="1889432"/>
+            <a:off x="2558855" y="2121080"/>
             <a:ext cx="529018" cy="443332"/>
           </a:xfrm>
           <a:prstGeom prst="hexagon">
@@ -4597,7 +4597,7 @@
         </p:nvSpPr>
         <p:spPr>
           <a:xfrm>
-            <a:off x="2555725" y="1987607"/>
+            <a:off x="2702029" y="2219255"/>
             <a:ext cx="242669" cy="168287"/>
           </a:xfrm>
           <a:prstGeom prst="triangle">
@@ -4661,7 +4661,7 @@
         </p:blipFill>
         <p:spPr bwMode="auto">
           <a:xfrm>
-            <a:off x="2412551" y="1718031"/>
+            <a:off x="2558855" y="1949679"/>
             <a:ext cx="185411" cy="185411"/>
           </a:xfrm>
           <a:prstGeom prst="rect">
@@ -4693,7 +4693,7 @@
         </p:nvSpPr>
         <p:spPr>
           <a:xfrm>
-            <a:off x="1491840" y="2287960"/>
+            <a:off x="1638144" y="2519608"/>
             <a:ext cx="909278" cy="783860"/>
           </a:xfrm>
           <a:prstGeom prst="hexagon">
@@ -4748,7 +4748,7 @@
         </p:nvSpPr>
         <p:spPr>
           <a:xfrm>
-            <a:off x="1705504" y="2430955"/>
+            <a:off x="1851808" y="2662603"/>
             <a:ext cx="532338" cy="446114"/>
           </a:xfrm>
           <a:prstGeom prst="hexagon">
@@ -4800,7 +4800,7 @@
         </p:nvSpPr>
         <p:spPr>
           <a:xfrm>
-            <a:off x="1858592" y="2538414"/>
+            <a:off x="2004896" y="2770062"/>
             <a:ext cx="238032" cy="165071"/>
           </a:xfrm>
           <a:prstGeom prst="triangle">
@@ -4849,7 +4849,7 @@
         </p:nvSpPr>
         <p:spPr>
           <a:xfrm>
-            <a:off x="3919189" y="199018"/>
+            <a:off x="3882613" y="455050"/>
             <a:ext cx="3385084" cy="2918176"/>
           </a:xfrm>
           <a:prstGeom prst="hexagon">
@@ -4904,7 +4904,7 @@
         </p:nvSpPr>
         <p:spPr>
           <a:xfrm>
-            <a:off x="7618783" y="3543722"/>
+            <a:off x="7277407" y="3458378"/>
             <a:ext cx="3385084" cy="2918176"/>
           </a:xfrm>
           <a:prstGeom prst="hexagon">
@@ -4959,7 +4959,7 @@
         </p:nvSpPr>
         <p:spPr>
           <a:xfrm rot="19349203">
-            <a:off x="8178466" y="3672066"/>
+            <a:off x="7837090" y="3586722"/>
             <a:ext cx="2107721" cy="2644928"/>
           </a:xfrm>
           <a:prstGeom prst="ellipse">
@@ -5011,7 +5011,7 @@
         </p:nvSpPr>
         <p:spPr>
           <a:xfrm>
-            <a:off x="7595339" y="3543722"/>
+            <a:off x="7253963" y="3458378"/>
             <a:ext cx="3385084" cy="2918176"/>
           </a:xfrm>
           <a:prstGeom prst="hexagon">
@@ -5074,7 +5074,7 @@
         </p:blipFill>
         <p:spPr bwMode="auto">
           <a:xfrm>
-            <a:off x="9742111" y="3724484"/>
+            <a:off x="9400735" y="3639140"/>
             <a:ext cx="538766" cy="538766"/>
           </a:xfrm>
           <a:prstGeom prst="rect">
@@ -5106,7 +5106,7 @@
         </p:nvSpPr>
         <p:spPr>
           <a:xfrm rot="21178261">
-            <a:off x="8560261" y="4082672"/>
+            <a:off x="8218885" y="3997328"/>
             <a:ext cx="1039121" cy="1823716"/>
           </a:xfrm>
           <a:prstGeom prst="ellipse">
@@ -5173,7 +5173,7 @@
         </p:blipFill>
         <p:spPr bwMode="auto">
           <a:xfrm>
-            <a:off x="8370077" y="4077616"/>
+            <a:off x="8028701" y="3992272"/>
             <a:ext cx="538766" cy="538766"/>
           </a:xfrm>
           <a:prstGeom prst="rect">
@@ -5205,7 +5205,7 @@
         </p:nvSpPr>
         <p:spPr>
           <a:xfrm>
-            <a:off x="7924669" y="400444"/>
+            <a:off x="7302877" y="485788"/>
             <a:ext cx="3385084" cy="2918176"/>
           </a:xfrm>
           <a:prstGeom prst="hexagon">
@@ -5260,7 +5260,7 @@
         </p:nvSpPr>
         <p:spPr>
           <a:xfrm rot="19349203">
-            <a:off x="8484352" y="528788"/>
+            <a:off x="7862560" y="614132"/>
             <a:ext cx="2107721" cy="2644928"/>
           </a:xfrm>
           <a:prstGeom prst="ellipse">
@@ -5312,7 +5312,7 @@
         </p:nvSpPr>
         <p:spPr>
           <a:xfrm>
-            <a:off x="7901225" y="400444"/>
+            <a:off x="7279433" y="485788"/>
             <a:ext cx="3385084" cy="2918176"/>
           </a:xfrm>
           <a:prstGeom prst="hexagon">
@@ -5375,7 +5375,7 @@
         </p:blipFill>
         <p:spPr bwMode="auto">
           <a:xfrm>
-            <a:off x="10047997" y="581206"/>
+            <a:off x="9426205" y="666550"/>
             <a:ext cx="538766" cy="538766"/>
           </a:xfrm>
           <a:prstGeom prst="rect">
@@ -5407,7 +5407,7 @@
         </p:nvSpPr>
         <p:spPr>
           <a:xfrm rot="21178261">
-            <a:off x="8866147" y="939394"/>
+            <a:off x="8244355" y="1024738"/>
             <a:ext cx="1039121" cy="1823716"/>
           </a:xfrm>
           <a:prstGeom prst="ellipse">
@@ -5474,7 +5474,7 @@
         </p:blipFill>
         <p:spPr bwMode="auto">
           <a:xfrm>
-            <a:off x="8675963" y="934338"/>
+            <a:off x="8054171" y="1019682"/>
             <a:ext cx="538766" cy="538766"/>
           </a:xfrm>
           <a:prstGeom prst="rect">
@@ -5506,7 +5506,7 @@
         </p:nvSpPr>
         <p:spPr>
           <a:xfrm>
-            <a:off x="8978863" y="1471022"/>
+            <a:off x="8357071" y="1556366"/>
             <a:ext cx="755908" cy="755908"/>
           </a:xfrm>
           <a:prstGeom prst="ellipse">
@@ -5656,7 +5656,7 @@
         </p:nvSpPr>
         <p:spPr>
           <a:xfrm>
-            <a:off x="8763081" y="4699804"/>
+            <a:off x="8421705" y="4614460"/>
             <a:ext cx="494235" cy="538767"/>
           </a:xfrm>
           <a:prstGeom prst="ellipse">
@@ -5705,7 +5705,7 @@
         </p:nvSpPr>
         <p:spPr>
           <a:xfrm>
-            <a:off x="8841478" y="4839633"/>
+            <a:off x="8500102" y="4754289"/>
             <a:ext cx="285040" cy="211797"/>
           </a:xfrm>
           <a:prstGeom prst="triangle">
@@ -5784,8 +5784,8 @@
         </p:nvSpPr>
         <p:spPr>
           <a:xfrm>
-            <a:off x="3589850" y="3197831"/>
-            <a:ext cx="3549898" cy="3060257"/>
+            <a:off x="3682163" y="3314468"/>
+            <a:ext cx="3372170" cy="2907043"/>
           </a:xfrm>
           <a:prstGeom prst="hexagon">
             <a:avLst/>
@@ -5832,8 +5832,8 @@
         </p:nvSpPr>
         <p:spPr>
           <a:xfrm>
-            <a:off x="3589850" y="3217429"/>
-            <a:ext cx="3527164" cy="3040659"/>
+            <a:off x="3681416" y="3333086"/>
+            <a:ext cx="3350574" cy="2888426"/>
           </a:xfrm>
           <a:prstGeom prst="hexagon">
             <a:avLst/>
@@ -5887,7 +5887,7 @@
         </p:nvSpPr>
         <p:spPr>
           <a:xfrm>
-            <a:off x="7243079" y="3357780"/>
+            <a:off x="7157735" y="3333396"/>
             <a:ext cx="3385084" cy="2918176"/>
           </a:xfrm>
           <a:prstGeom prst="hexagon">
@@ -5940,7 +5940,7 @@
         </p:nvSpPr>
         <p:spPr>
           <a:xfrm>
-            <a:off x="7146927" y="3645501"/>
+            <a:off x="7061583" y="3621117"/>
             <a:ext cx="3157662" cy="2655957"/>
           </a:xfrm>
           <a:custGeom>
@@ -6146,7 +6146,7 @@
         </p:nvSpPr>
         <p:spPr>
           <a:xfrm>
-            <a:off x="7681583" y="3320343"/>
+            <a:off x="7596239" y="3295959"/>
             <a:ext cx="1845049" cy="1355095"/>
           </a:xfrm>
           <a:prstGeom prst="hexagon">
@@ -6216,7 +6216,7 @@
         </p:blipFill>
         <p:spPr bwMode="auto">
           <a:xfrm>
-            <a:off x="9290779" y="4160687"/>
+            <a:off x="9205435" y="4136303"/>
             <a:ext cx="921042" cy="921042"/>
           </a:xfrm>
           <a:prstGeom prst="rect">
@@ -6248,7 +6248,7 @@
         </p:nvSpPr>
         <p:spPr>
           <a:xfrm>
-            <a:off x="159007" y="275212"/>
+            <a:off x="232159" y="311788"/>
             <a:ext cx="3385084" cy="2918176"/>
           </a:xfrm>
           <a:prstGeom prst="hexagon">
@@ -6303,7 +6303,7 @@
         </p:nvSpPr>
         <p:spPr>
           <a:xfrm rot="19349203">
-            <a:off x="718690" y="403556"/>
+            <a:off x="791842" y="440132"/>
             <a:ext cx="2107721" cy="2644928"/>
           </a:xfrm>
           <a:prstGeom prst="ellipse">
@@ -6355,7 +6355,7 @@
         </p:nvSpPr>
         <p:spPr>
           <a:xfrm>
-            <a:off x="135563" y="275212"/>
+            <a:off x="208715" y="311788"/>
             <a:ext cx="3385084" cy="2918176"/>
           </a:xfrm>
           <a:prstGeom prst="hexagon">
@@ -6418,7 +6418,7 @@
         </p:blipFill>
         <p:spPr bwMode="auto">
           <a:xfrm>
-            <a:off x="2282335" y="455974"/>
+            <a:off x="2355487" y="492550"/>
             <a:ext cx="538766" cy="538766"/>
           </a:xfrm>
           <a:prstGeom prst="rect">
@@ -6450,7 +6450,7 @@
         </p:nvSpPr>
         <p:spPr>
           <a:xfrm>
-            <a:off x="871599" y="931372"/>
+            <a:off x="944751" y="967948"/>
             <a:ext cx="1536184" cy="1536184"/>
           </a:xfrm>
           <a:prstGeom prst="ellipse">
@@ -6502,7 +6502,7 @@
         </p:nvSpPr>
         <p:spPr>
           <a:xfrm>
-            <a:off x="3582062" y="239930"/>
+            <a:off x="3691790" y="325274"/>
             <a:ext cx="3385084" cy="2918176"/>
           </a:xfrm>
           <a:prstGeom prst="hexagon">
@@ -6557,7 +6557,7 @@
         </p:nvSpPr>
         <p:spPr>
           <a:xfrm rot="19349203">
-            <a:off x="4141745" y="368274"/>
+            <a:off x="4251473" y="453618"/>
             <a:ext cx="2107721" cy="2644928"/>
           </a:xfrm>
           <a:prstGeom prst="ellipse">
@@ -6609,7 +6609,7 @@
         </p:nvSpPr>
         <p:spPr>
           <a:xfrm>
-            <a:off x="3558618" y="239930"/>
+            <a:off x="3668346" y="325274"/>
             <a:ext cx="3385084" cy="2918176"/>
           </a:xfrm>
           <a:prstGeom prst="hexagon">
@@ -6672,7 +6672,7 @@
         </p:blipFill>
         <p:spPr bwMode="auto">
           <a:xfrm>
-            <a:off x="5705390" y="420692"/>
+            <a:off x="5815118" y="506036"/>
             <a:ext cx="538766" cy="538766"/>
           </a:xfrm>
           <a:prstGeom prst="rect">
@@ -6704,7 +6704,7 @@
         </p:nvSpPr>
         <p:spPr>
           <a:xfrm rot="19353272">
-            <a:off x="4396387" y="594841"/>
+            <a:off x="4506115" y="680185"/>
             <a:ext cx="1566747" cy="2191795"/>
           </a:xfrm>
           <a:prstGeom prst="ellipse">
@@ -6759,7 +6759,7 @@
         </p:nvSpPr>
         <p:spPr>
           <a:xfrm>
-            <a:off x="5052446" y="1135446"/>
+            <a:off x="5162174" y="1220790"/>
             <a:ext cx="605322" cy="615851"/>
           </a:xfrm>
           <a:prstGeom prst="ellipse">
@@ -6808,7 +6808,7 @@
         </p:nvSpPr>
         <p:spPr>
           <a:xfrm>
-            <a:off x="5189020" y="1313376"/>
+            <a:off x="5298748" y="1398720"/>
             <a:ext cx="349107" cy="242100"/>
           </a:xfrm>
           <a:prstGeom prst="triangle">
@@ -6857,7 +6857,7 @@
         </p:nvSpPr>
         <p:spPr>
           <a:xfrm>
-            <a:off x="7197360" y="351529"/>
+            <a:off x="7160784" y="339337"/>
             <a:ext cx="3385084" cy="2918176"/>
           </a:xfrm>
           <a:prstGeom prst="hexagon">
@@ -6912,7 +6912,7 @@
         </p:nvSpPr>
         <p:spPr>
           <a:xfrm rot="19349203">
-            <a:off x="7757043" y="479873"/>
+            <a:off x="7793619" y="504257"/>
             <a:ext cx="2107721" cy="2644928"/>
           </a:xfrm>
           <a:prstGeom prst="ellipse">
@@ -6964,7 +6964,7 @@
         </p:nvSpPr>
         <p:spPr>
           <a:xfrm>
-            <a:off x="7173916" y="351529"/>
+            <a:off x="7137340" y="339337"/>
             <a:ext cx="3385084" cy="2918176"/>
           </a:xfrm>
           <a:prstGeom prst="hexagon">
@@ -7027,7 +7027,7 @@
         </p:blipFill>
         <p:spPr bwMode="auto">
           <a:xfrm>
-            <a:off x="9320688" y="532291"/>
+            <a:off x="9284112" y="520099"/>
             <a:ext cx="538766" cy="538766"/>
           </a:xfrm>
           <a:prstGeom prst="rect">
@@ -7059,7 +7059,7 @@
         </p:nvSpPr>
         <p:spPr>
           <a:xfrm rot="19353272">
-            <a:off x="8011685" y="706440"/>
+            <a:off x="7975109" y="694248"/>
             <a:ext cx="1566747" cy="2191795"/>
           </a:xfrm>
           <a:prstGeom prst="ellipse">
@@ -7114,7 +7114,7 @@
         </p:nvSpPr>
         <p:spPr>
           <a:xfrm rot="19201078">
-            <a:off x="8499261" y="1130750"/>
+            <a:off x="8462685" y="1118558"/>
             <a:ext cx="781281" cy="781281"/>
           </a:xfrm>
           <a:prstGeom prst="ellipse">
@@ -7166,7 +7166,7 @@
         </p:nvSpPr>
         <p:spPr>
           <a:xfrm>
-            <a:off x="174853" y="3240834"/>
+            <a:off x="248005" y="3289602"/>
             <a:ext cx="3385084" cy="2918176"/>
           </a:xfrm>
           <a:prstGeom prst="hexagon">
@@ -7273,7 +7273,7 @@
         </p:nvSpPr>
         <p:spPr>
           <a:xfrm>
-            <a:off x="151409" y="3240834"/>
+            <a:off x="224561" y="3289602"/>
             <a:ext cx="3385084" cy="2918176"/>
           </a:xfrm>
           <a:prstGeom prst="hexagon">
@@ -7336,7 +7336,7 @@
         </p:blipFill>
         <p:spPr bwMode="auto">
           <a:xfrm>
-            <a:off x="2298181" y="3421596"/>
+            <a:off x="2444485" y="3506940"/>
             <a:ext cx="538766" cy="538766"/>
           </a:xfrm>
           <a:prstGeom prst="rect">
@@ -7368,7 +7368,7 @@
         </p:nvSpPr>
         <p:spPr>
           <a:xfrm rot="19353272">
-            <a:off x="989178" y="3595745"/>
+            <a:off x="1062330" y="3644513"/>
             <a:ext cx="1566747" cy="2191795"/>
           </a:xfrm>
           <a:prstGeom prst="ellipse">
